--- a/web flow.pptx
+++ b/web flow.pptx
@@ -104,6 +104,11 @@
       </a:defRPr>
     </a:lvl9pPr>
   </p:defaultTextStyle>
+  <p:extLst>
+    <p:ext uri="{EFAFB233-063F-42B5-8137-9DF3F51BA10A}">
+      <p15:sldGuideLst xmlns:p15="http://schemas.microsoft.com/office/powerpoint/2012/main"/>
+    </p:ext>
+  </p:extLst>
 </p:presentation>
 </file>
 
@@ -254,7 +259,7 @@
           <a:p>
             <a:fld id="{5902F9FD-293F-C94A-AE6E-9188A969C2AF}" type="datetimeFigureOut">
               <a:rPr lang="en-US" smtClean="0"/>
-              <a:t>10/27/18</a:t>
+              <a:t>10/28/18</a:t>
             </a:fld>
             <a:endParaRPr lang="en-US"/>
           </a:p>
@@ -452,7 +457,7 @@
           <a:p>
             <a:fld id="{5902F9FD-293F-C94A-AE6E-9188A969C2AF}" type="datetimeFigureOut">
               <a:rPr lang="en-US" smtClean="0"/>
-              <a:t>10/27/18</a:t>
+              <a:t>10/28/18</a:t>
             </a:fld>
             <a:endParaRPr lang="en-US"/>
           </a:p>
@@ -660,7 +665,7 @@
           <a:p>
             <a:fld id="{5902F9FD-293F-C94A-AE6E-9188A969C2AF}" type="datetimeFigureOut">
               <a:rPr lang="en-US" smtClean="0"/>
-              <a:t>10/27/18</a:t>
+              <a:t>10/28/18</a:t>
             </a:fld>
             <a:endParaRPr lang="en-US"/>
           </a:p>
@@ -858,7 +863,7 @@
           <a:p>
             <a:fld id="{5902F9FD-293F-C94A-AE6E-9188A969C2AF}" type="datetimeFigureOut">
               <a:rPr lang="en-US" smtClean="0"/>
-              <a:t>10/27/18</a:t>
+              <a:t>10/28/18</a:t>
             </a:fld>
             <a:endParaRPr lang="en-US"/>
           </a:p>
@@ -1133,7 +1138,7 @@
           <a:p>
             <a:fld id="{5902F9FD-293F-C94A-AE6E-9188A969C2AF}" type="datetimeFigureOut">
               <a:rPr lang="en-US" smtClean="0"/>
-              <a:t>10/27/18</a:t>
+              <a:t>10/28/18</a:t>
             </a:fld>
             <a:endParaRPr lang="en-US"/>
           </a:p>
@@ -1398,7 +1403,7 @@
           <a:p>
             <a:fld id="{5902F9FD-293F-C94A-AE6E-9188A969C2AF}" type="datetimeFigureOut">
               <a:rPr lang="en-US" smtClean="0"/>
-              <a:t>10/27/18</a:t>
+              <a:t>10/28/18</a:t>
             </a:fld>
             <a:endParaRPr lang="en-US"/>
           </a:p>
@@ -1810,7 +1815,7 @@
           <a:p>
             <a:fld id="{5902F9FD-293F-C94A-AE6E-9188A969C2AF}" type="datetimeFigureOut">
               <a:rPr lang="en-US" smtClean="0"/>
-              <a:t>10/27/18</a:t>
+              <a:t>10/28/18</a:t>
             </a:fld>
             <a:endParaRPr lang="en-US"/>
           </a:p>
@@ -1951,7 +1956,7 @@
           <a:p>
             <a:fld id="{5902F9FD-293F-C94A-AE6E-9188A969C2AF}" type="datetimeFigureOut">
               <a:rPr lang="en-US" smtClean="0"/>
-              <a:t>10/27/18</a:t>
+              <a:t>10/28/18</a:t>
             </a:fld>
             <a:endParaRPr lang="en-US"/>
           </a:p>
@@ -2064,7 +2069,7 @@
           <a:p>
             <a:fld id="{5902F9FD-293F-C94A-AE6E-9188A969C2AF}" type="datetimeFigureOut">
               <a:rPr lang="en-US" smtClean="0"/>
-              <a:t>10/27/18</a:t>
+              <a:t>10/28/18</a:t>
             </a:fld>
             <a:endParaRPr lang="en-US"/>
           </a:p>
@@ -2375,7 +2380,7 @@
           <a:p>
             <a:fld id="{5902F9FD-293F-C94A-AE6E-9188A969C2AF}" type="datetimeFigureOut">
               <a:rPr lang="en-US" smtClean="0"/>
-              <a:t>10/27/18</a:t>
+              <a:t>10/28/18</a:t>
             </a:fld>
             <a:endParaRPr lang="en-US"/>
           </a:p>
@@ -2663,7 +2668,7 @@
           <a:p>
             <a:fld id="{5902F9FD-293F-C94A-AE6E-9188A969C2AF}" type="datetimeFigureOut">
               <a:rPr lang="en-US" smtClean="0"/>
-              <a:t>10/27/18</a:t>
+              <a:t>10/28/18</a:t>
             </a:fld>
             <a:endParaRPr lang="en-US"/>
           </a:p>
@@ -2904,7 +2909,7 @@
           <a:p>
             <a:fld id="{5902F9FD-293F-C94A-AE6E-9188A969C2AF}" type="datetimeFigureOut">
               <a:rPr lang="en-US" smtClean="0"/>
-              <a:t>10/27/18</a:t>
+              <a:t>10/28/18</a:t>
             </a:fld>
             <a:endParaRPr lang="en-US"/>
           </a:p>
@@ -3323,10 +3328,10 @@
       </p:grpSpPr>
       <p:grpSp>
         <p:nvGrpSpPr>
-          <p:cNvPr id="73" name="Group 72">
-            <a:extLst>
-              <a:ext uri="{FF2B5EF4-FFF2-40B4-BE49-F238E27FC236}">
-                <a16:creationId xmlns:a16="http://schemas.microsoft.com/office/drawing/2014/main" id="{27C019CC-4394-AD4C-829A-BC4F41846F8D}"/>
+          <p:cNvPr id="65" name="Group 64">
+            <a:extLst>
+              <a:ext uri="{FF2B5EF4-FFF2-40B4-BE49-F238E27FC236}">
+                <a16:creationId xmlns:a16="http://schemas.microsoft.com/office/drawing/2014/main" id="{379D9D9D-EBC8-374B-B51F-85BE9008945A}"/>
               </a:ext>
             </a:extLst>
           </p:cNvPr>
@@ -3336,9 +3341,9 @@
         <p:grpSpPr>
           <a:xfrm>
             <a:off x="3499802" y="979136"/>
-            <a:ext cx="5151931" cy="4442528"/>
+            <a:ext cx="5973264" cy="4447887"/>
             <a:chOff x="3499802" y="979136"/>
-            <a:chExt cx="5151931" cy="4442528"/>
+            <a:chExt cx="5973264" cy="4447887"/>
           </a:xfrm>
         </p:grpSpPr>
         <p:sp>
@@ -3496,7 +3501,7 @@
           </p:nvSpPr>
           <p:spPr>
             <a:xfrm>
-              <a:off x="7009050" y="2199684"/>
+              <a:off x="7830383" y="2196316"/>
               <a:ext cx="1642683" cy="631179"/>
             </a:xfrm>
             <a:prstGeom prst="roundRect">
@@ -3543,7 +3548,7 @@
           </p:nvSpPr>
           <p:spPr>
             <a:xfrm>
-              <a:off x="7009050" y="3420232"/>
+              <a:off x="7830383" y="3416724"/>
               <a:ext cx="1642683" cy="631179"/>
             </a:xfrm>
             <a:prstGeom prst="roundRect">
@@ -3665,7 +3670,7 @@
               <a:pPr algn="ctr"/>
               <a:r>
                 <a:rPr lang="en-US" sz="1400" dirty="0"/>
-                <a:t>ID Verification Page</a:t>
+                <a:t>Staff Verification</a:t>
               </a:r>
             </a:p>
           </p:txBody>
@@ -3731,7 +3736,7 @@
           </p:nvSpPr>
           <p:spPr>
             <a:xfrm>
-              <a:off x="7009048" y="4640779"/>
+              <a:off x="7830383" y="4634796"/>
               <a:ext cx="1642683" cy="631179"/>
             </a:xfrm>
             <a:prstGeom prst="roundRect">
@@ -3867,8 +3872,8 @@
           </p:nvCxnSpPr>
           <p:spPr>
             <a:xfrm rot="16200000" flipH="1">
-              <a:off x="6658395" y="1027686"/>
-              <a:ext cx="589369" cy="1754625"/>
+              <a:off x="7070746" y="615336"/>
+              <a:ext cx="586001" cy="2575958"/>
             </a:xfrm>
             <a:prstGeom prst="bentConnector3">
               <a:avLst/>
@@ -3977,47 +3982,6 @@
         </p:cxnSp>
         <p:cxnSp>
           <p:nvCxnSpPr>
-            <p:cNvPr id="30" name="Elbow Connector 29">
-              <a:extLst>
-                <a:ext uri="{FF2B5EF4-FFF2-40B4-BE49-F238E27FC236}">
-                  <a16:creationId xmlns:a16="http://schemas.microsoft.com/office/drawing/2014/main" id="{D96917CD-BBF3-8D40-A8AA-881233696159}"/>
-                </a:ext>
-              </a:extLst>
-            </p:cNvPr>
-            <p:cNvCxnSpPr>
-              <a:stCxn id="8" idx="2"/>
-            </p:cNvCxnSpPr>
-            <p:nvPr/>
-          </p:nvCxnSpPr>
-          <p:spPr>
-            <a:xfrm rot="5400000">
-              <a:off x="7535707" y="3125546"/>
-              <a:ext cx="589369" cy="3"/>
-            </a:xfrm>
-            <a:prstGeom prst="bentConnector3">
-              <a:avLst/>
-            </a:prstGeom>
-            <a:ln>
-              <a:tailEnd type="triangle"/>
-            </a:ln>
-          </p:spPr>
-          <p:style>
-            <a:lnRef idx="3">
-              <a:schemeClr val="dk1"/>
-            </a:lnRef>
-            <a:fillRef idx="0">
-              <a:schemeClr val="dk1"/>
-            </a:fillRef>
-            <a:effectRef idx="2">
-              <a:schemeClr val="dk1"/>
-            </a:effectRef>
-            <a:fontRef idx="minor">
-              <a:schemeClr val="tx1"/>
-            </a:fontRef>
-          </p:style>
-        </p:cxnSp>
-        <p:cxnSp>
-          <p:nvCxnSpPr>
             <p:cNvPr id="32" name="Elbow Connector 31">
               <a:extLst>
                 <a:ext uri="{FF2B5EF4-FFF2-40B4-BE49-F238E27FC236}">
@@ -4060,48 +4024,6 @@
         </p:cxnSp>
         <p:cxnSp>
           <p:nvCxnSpPr>
-            <p:cNvPr id="34" name="Elbow Connector 33">
-              <a:extLst>
-                <a:ext uri="{FF2B5EF4-FFF2-40B4-BE49-F238E27FC236}">
-                  <a16:creationId xmlns:a16="http://schemas.microsoft.com/office/drawing/2014/main" id="{72BE6276-1D7A-AB4B-B649-B95294132509}"/>
-                </a:ext>
-              </a:extLst>
-            </p:cNvPr>
-            <p:cNvCxnSpPr>
-              <a:stCxn id="11" idx="2"/>
-              <a:endCxn id="12" idx="0"/>
-            </p:cNvCxnSpPr>
-            <p:nvPr/>
-          </p:nvCxnSpPr>
-          <p:spPr>
-            <a:xfrm rot="5400000">
-              <a:off x="5314443" y="3879454"/>
-              <a:ext cx="589369" cy="933282"/>
-            </a:xfrm>
-            <a:prstGeom prst="bentConnector3">
-              <a:avLst/>
-            </a:prstGeom>
-            <a:ln>
-              <a:tailEnd type="triangle"/>
-            </a:ln>
-          </p:spPr>
-          <p:style>
-            <a:lnRef idx="3">
-              <a:schemeClr val="dk1"/>
-            </a:lnRef>
-            <a:fillRef idx="0">
-              <a:schemeClr val="dk1"/>
-            </a:fillRef>
-            <a:effectRef idx="2">
-              <a:schemeClr val="dk1"/>
-            </a:effectRef>
-            <a:fontRef idx="minor">
-              <a:schemeClr val="tx1"/>
-            </a:fontRef>
-          </p:style>
-        </p:cxnSp>
-        <p:cxnSp>
-          <p:nvCxnSpPr>
             <p:cNvPr id="36" name="Elbow Connector 35">
               <a:extLst>
                 <a:ext uri="{FF2B5EF4-FFF2-40B4-BE49-F238E27FC236}">
@@ -4116,7 +4038,7 @@
           </p:nvCxnSpPr>
           <p:spPr>
             <a:xfrm rot="5400000">
-              <a:off x="7535707" y="4346094"/>
+              <a:off x="8357040" y="4342586"/>
               <a:ext cx="589368" cy="3"/>
             </a:xfrm>
             <a:prstGeom prst="bentConnector3">
@@ -4159,11 +4081,11 @@
           <p:spPr>
             <a:xfrm flipH="1" flipV="1">
               <a:off x="6706945" y="1294726"/>
-              <a:ext cx="1944788" cy="2441096"/>
+              <a:ext cx="2766121" cy="2437588"/>
             </a:xfrm>
             <a:prstGeom prst="bentConnector3">
               <a:avLst>
-                <a:gd name="adj1" fmla="val -11754"/>
+                <a:gd name="adj1" fmla="val -8264"/>
               </a:avLst>
             </a:prstGeom>
             <a:ln>
@@ -4203,11 +4125,11 @@
           <p:spPr>
             <a:xfrm flipH="1" flipV="1">
               <a:off x="6706945" y="1294726"/>
-              <a:ext cx="1944786" cy="3661643"/>
+              <a:ext cx="2766121" cy="3655660"/>
             </a:xfrm>
             <a:prstGeom prst="bentConnector3">
               <a:avLst>
-                <a:gd name="adj1" fmla="val -11755"/>
+                <a:gd name="adj1" fmla="val -8264"/>
               </a:avLst>
             </a:prstGeom>
             <a:ln>
@@ -4384,51 +4306,13 @@
             <a:prstGeom prst="bentConnector5">
               <a:avLst>
                 <a:gd name="adj1" fmla="val -49682"/>
-                <a:gd name="adj2" fmla="val 443912"/>
+                <a:gd name="adj2" fmla="val 573694"/>
                 <a:gd name="adj3" fmla="val 100196"/>
               </a:avLst>
             </a:prstGeom>
             <a:ln>
               <a:tailEnd type="triangle"/>
             </a:ln>
-          </p:spPr>
-          <p:style>
-            <a:lnRef idx="3">
-              <a:schemeClr val="dk1"/>
-            </a:lnRef>
-            <a:fillRef idx="0">
-              <a:schemeClr val="dk1"/>
-            </a:fillRef>
-            <a:effectRef idx="2">
-              <a:schemeClr val="dk1"/>
-            </a:effectRef>
-            <a:fontRef idx="minor">
-              <a:schemeClr val="tx1"/>
-            </a:fontRef>
-          </p:style>
-        </p:cxnSp>
-        <p:cxnSp>
-          <p:nvCxnSpPr>
-            <p:cNvPr id="70" name="Elbow Connector 69">
-              <a:extLst>
-                <a:ext uri="{FF2B5EF4-FFF2-40B4-BE49-F238E27FC236}">
-                  <a16:creationId xmlns:a16="http://schemas.microsoft.com/office/drawing/2014/main" id="{4A03BE65-8C92-5644-BB05-C53DBE0AC21D}"/>
-                </a:ext>
-              </a:extLst>
-            </p:cNvPr>
-            <p:cNvCxnSpPr>
-              <a:stCxn id="7" idx="3"/>
-            </p:cNvCxnSpPr>
-            <p:nvPr/>
-          </p:nvCxnSpPr>
-          <p:spPr>
-            <a:xfrm>
-              <a:off x="6897110" y="2515274"/>
-              <a:ext cx="55969" cy="2906390"/>
-            </a:xfrm>
-            <a:prstGeom prst="bentConnector2">
-              <a:avLst/>
-            </a:prstGeom>
           </p:spPr>
           <p:style>
             <a:lnRef idx="3">
@@ -4463,16 +4347,139 @@
           <p:spPr>
             <a:xfrm flipH="1" flipV="1">
               <a:off x="6706945" y="1294726"/>
-              <a:ext cx="1944788" cy="1220548"/>
+              <a:ext cx="2766121" cy="1217180"/>
             </a:xfrm>
             <a:prstGeom prst="bentConnector3">
               <a:avLst>
-                <a:gd name="adj1" fmla="val -11754"/>
+                <a:gd name="adj1" fmla="val -8264"/>
               </a:avLst>
             </a:prstGeom>
             <a:ln>
               <a:tailEnd type="triangle"/>
             </a:ln>
+          </p:spPr>
+          <p:style>
+            <a:lnRef idx="3">
+              <a:schemeClr val="dk1"/>
+            </a:lnRef>
+            <a:fillRef idx="0">
+              <a:schemeClr val="dk1"/>
+            </a:fillRef>
+            <a:effectRef idx="2">
+              <a:schemeClr val="dk1"/>
+            </a:effectRef>
+            <a:fontRef idx="minor">
+              <a:schemeClr val="tx1"/>
+            </a:fontRef>
+          </p:style>
+        </p:cxnSp>
+        <p:cxnSp>
+          <p:nvCxnSpPr>
+            <p:cNvPr id="44" name="Straight Arrow Connector 43">
+              <a:extLst>
+                <a:ext uri="{FF2B5EF4-FFF2-40B4-BE49-F238E27FC236}">
+                  <a16:creationId xmlns:a16="http://schemas.microsoft.com/office/drawing/2014/main" id="{267B5489-0BCB-F149-905F-11B0DDE81F48}"/>
+                </a:ext>
+              </a:extLst>
+            </p:cNvPr>
+            <p:cNvCxnSpPr>
+              <a:cxnSpLocks/>
+              <a:stCxn id="11" idx="3"/>
+              <a:endCxn id="9" idx="1"/>
+            </p:cNvCxnSpPr>
+            <p:nvPr/>
+          </p:nvCxnSpPr>
+          <p:spPr>
+            <a:xfrm flipV="1">
+              <a:off x="6897109" y="3732314"/>
+              <a:ext cx="933274" cy="3508"/>
+            </a:xfrm>
+            <a:prstGeom prst="straightConnector1">
+              <a:avLst/>
+            </a:prstGeom>
+            <a:ln>
+              <a:tailEnd type="triangle"/>
+            </a:ln>
+          </p:spPr>
+          <p:style>
+            <a:lnRef idx="3">
+              <a:schemeClr val="dk1"/>
+            </a:lnRef>
+            <a:fillRef idx="0">
+              <a:schemeClr val="dk1"/>
+            </a:fillRef>
+            <a:effectRef idx="2">
+              <a:schemeClr val="dk1"/>
+            </a:effectRef>
+            <a:fontRef idx="minor">
+              <a:schemeClr val="tx1"/>
+            </a:fontRef>
+          </p:style>
+        </p:cxnSp>
+        <p:cxnSp>
+          <p:nvCxnSpPr>
+            <p:cNvPr id="52" name="Straight Arrow Connector 51">
+              <a:extLst>
+                <a:ext uri="{FF2B5EF4-FFF2-40B4-BE49-F238E27FC236}">
+                  <a16:creationId xmlns:a16="http://schemas.microsoft.com/office/drawing/2014/main" id="{5DF4C0E4-8949-754F-90A6-2768C2A5901C}"/>
+                </a:ext>
+              </a:extLst>
+            </p:cNvPr>
+            <p:cNvCxnSpPr>
+              <a:stCxn id="8" idx="2"/>
+              <a:endCxn id="9" idx="0"/>
+            </p:cNvCxnSpPr>
+            <p:nvPr/>
+          </p:nvCxnSpPr>
+          <p:spPr>
+            <a:xfrm>
+              <a:off x="8651725" y="2827495"/>
+              <a:ext cx="0" cy="589229"/>
+            </a:xfrm>
+            <a:prstGeom prst="straightConnector1">
+              <a:avLst/>
+            </a:prstGeom>
+            <a:ln>
+              <a:tailEnd type="triangle"/>
+            </a:ln>
+          </p:spPr>
+          <p:style>
+            <a:lnRef idx="3">
+              <a:schemeClr val="dk1"/>
+            </a:lnRef>
+            <a:fillRef idx="0">
+              <a:schemeClr val="dk1"/>
+            </a:fillRef>
+            <a:effectRef idx="2">
+              <a:schemeClr val="dk1"/>
+            </a:effectRef>
+            <a:fontRef idx="minor">
+              <a:schemeClr val="tx1"/>
+            </a:fontRef>
+          </p:style>
+        </p:cxnSp>
+        <p:cxnSp>
+          <p:nvCxnSpPr>
+            <p:cNvPr id="58" name="Elbow Connector 57">
+              <a:extLst>
+                <a:ext uri="{FF2B5EF4-FFF2-40B4-BE49-F238E27FC236}">
+                  <a16:creationId xmlns:a16="http://schemas.microsoft.com/office/drawing/2014/main" id="{9490A6D1-233F-7E45-B154-6D5CCA316860}"/>
+                </a:ext>
+              </a:extLst>
+            </p:cNvPr>
+            <p:cNvCxnSpPr>
+              <a:stCxn id="7" idx="3"/>
+            </p:cNvCxnSpPr>
+            <p:nvPr/>
+          </p:nvCxnSpPr>
+          <p:spPr>
+            <a:xfrm>
+              <a:off x="6897110" y="2515274"/>
+              <a:ext cx="453716" cy="2911749"/>
+            </a:xfrm>
+            <a:prstGeom prst="bentConnector2">
+              <a:avLst/>
+            </a:prstGeom>
           </p:spPr>
           <p:style>
             <a:lnRef idx="3">
